--- a/InfoSec/PPTs/CH00-Introduction.pptx
+++ b/InfoSec/PPTs/CH00-Introduction.pptx
@@ -262,7 +262,7 @@
             <a:fld id="{999DDEF9-8F79-3F4A-8C1A-CB2E900DCD92}" type="datetimeFigureOut">
               <a:rPr lang="en-US" smtClean="0"/>
               <a:pPr/>
-              <a:t>4/19/2020</a:t>
+              <a:t>4/21/2020</a:t>
             </a:fld>
             <a:endParaRPr lang="en-US"/>
           </a:p>
@@ -1966,6 +1966,240 @@
 </p:sldLayout>
 </file>
 
+<file path=ppt/slideLayouts/slideLayout4.xml><?xml version="1.0" encoding="utf-8"?>
+<p:sldLayout xmlns:a="http://schemas.openxmlformats.org/drawingml/2006/main" xmlns:r="http://schemas.openxmlformats.org/officeDocument/2006/relationships" xmlns:p="http://schemas.openxmlformats.org/presentationml/2006/main" type="obj" preserve="1">
+  <p:cSld name="1_Title and Content">
+    <p:spTree>
+      <p:nvGrpSpPr>
+        <p:cNvPr id="1" name=""/>
+        <p:cNvGrpSpPr/>
+        <p:nvPr/>
+      </p:nvGrpSpPr>
+      <p:grpSpPr>
+        <a:xfrm>
+          <a:off x="0" y="0"/>
+          <a:ext cx="0" cy="0"/>
+          <a:chOff x="0" y="0"/>
+          <a:chExt cx="0" cy="0"/>
+        </a:xfrm>
+      </p:grpSpPr>
+      <p:sp>
+        <p:nvSpPr>
+          <p:cNvPr id="2" name="Title 1"/>
+          <p:cNvSpPr>
+            <a:spLocks noGrp="1"/>
+          </p:cNvSpPr>
+          <p:nvPr>
+            <p:ph type="title"/>
+          </p:nvPr>
+        </p:nvSpPr>
+        <p:spPr>
+          <a:xfrm>
+            <a:off x="323528" y="188640"/>
+            <a:ext cx="8568952" cy="868362"/>
+          </a:xfrm>
+        </p:spPr>
+        <p:txBody>
+          <a:bodyPr/>
+          <a:lstStyle>
+            <a:lvl1pPr>
+              <a:defRPr lang="zh-CN" altLang="en-US" sz="4000" dirty="0">
+                <a:solidFill>
+                  <a:srgbClr val="9B37AA"/>
+                </a:solidFill>
+                <a:latin typeface="+mj-lt"/>
+                <a:ea typeface="+mj-ea"/>
+                <a:cs typeface="+mj-cs"/>
+              </a:defRPr>
+            </a:lvl1pPr>
+          </a:lstStyle>
+          <a:p>
+            <a:r>
+              <a:rPr lang="en-US" altLang="zh-CN" dirty="0"/>
+              <a:t>Click to edit Master title style</a:t>
+            </a:r>
+            <a:endParaRPr lang="zh-CN" altLang="en-US" dirty="0"/>
+          </a:p>
+        </p:txBody>
+      </p:sp>
+      <p:sp>
+        <p:nvSpPr>
+          <p:cNvPr id="3" name="Content Placeholder 2"/>
+          <p:cNvSpPr>
+            <a:spLocks noGrp="1"/>
+          </p:cNvSpPr>
+          <p:nvPr>
+            <p:ph idx="1"/>
+          </p:nvPr>
+        </p:nvSpPr>
+        <p:spPr>
+          <a:xfrm>
+            <a:off x="323528" y="1196753"/>
+            <a:ext cx="8568952" cy="5256584"/>
+          </a:xfrm>
+        </p:spPr>
+        <p:txBody>
+          <a:bodyPr>
+            <a:normAutofit/>
+          </a:bodyPr>
+          <a:lstStyle/>
+          <a:p>
+            <a:pPr lvl="0"/>
+            <a:r>
+              <a:rPr lang="en-US" altLang="zh-CN" dirty="0"/>
+              <a:t>Click to edit Master text styles</a:t>
+            </a:r>
+          </a:p>
+          <a:p>
+            <a:pPr lvl="1"/>
+            <a:r>
+              <a:rPr lang="en-US" altLang="zh-CN" dirty="0"/>
+              <a:t>Second level</a:t>
+            </a:r>
+          </a:p>
+          <a:p>
+            <a:pPr lvl="2"/>
+            <a:r>
+              <a:rPr lang="en-US" altLang="zh-CN" dirty="0"/>
+              <a:t>Third level</a:t>
+            </a:r>
+          </a:p>
+          <a:p>
+            <a:pPr lvl="3"/>
+            <a:r>
+              <a:rPr lang="en-US" altLang="zh-CN" dirty="0"/>
+              <a:t>Fourth level</a:t>
+            </a:r>
+          </a:p>
+          <a:p>
+            <a:pPr lvl="4"/>
+            <a:r>
+              <a:rPr lang="en-US" altLang="zh-CN" dirty="0"/>
+              <a:t>Fifth level</a:t>
+            </a:r>
+            <a:endParaRPr lang="zh-CN" altLang="en-US" dirty="0"/>
+          </a:p>
+        </p:txBody>
+      </p:sp>
+      <p:sp>
+        <p:nvSpPr>
+          <p:cNvPr id="4" name="Rectangle 4"/>
+          <p:cNvSpPr>
+            <a:spLocks noGrp="1" noChangeArrowheads="1"/>
+          </p:cNvSpPr>
+          <p:nvPr>
+            <p:ph type="dt" sz="half" idx="10"/>
+          </p:nvPr>
+        </p:nvSpPr>
+        <p:spPr>
+          <a:xfrm>
+            <a:off x="76200" y="6553200"/>
+            <a:ext cx="2133600" cy="244475"/>
+          </a:xfrm>
+          <a:ln/>
+        </p:spPr>
+        <p:txBody>
+          <a:bodyPr/>
+          <a:lstStyle>
+            <a:lvl1pPr>
+              <a:defRPr/>
+            </a:lvl1pPr>
+          </a:lstStyle>
+          <a:p>
+            <a:pPr>
+              <a:defRPr/>
+            </a:pPr>
+            <a:endParaRPr lang="en-US" altLang="zh-CN" dirty="0"/>
+          </a:p>
+        </p:txBody>
+      </p:sp>
+      <p:sp>
+        <p:nvSpPr>
+          <p:cNvPr id="5" name="Rectangle 5"/>
+          <p:cNvSpPr>
+            <a:spLocks noGrp="1" noChangeArrowheads="1"/>
+          </p:cNvSpPr>
+          <p:nvPr>
+            <p:ph type="ftr" sz="quarter" idx="11"/>
+          </p:nvPr>
+        </p:nvSpPr>
+        <p:spPr>
+          <a:xfrm>
+            <a:off x="3124200" y="6553200"/>
+            <a:ext cx="2895600" cy="244475"/>
+          </a:xfrm>
+          <a:ln/>
+        </p:spPr>
+        <p:txBody>
+          <a:bodyPr/>
+          <a:lstStyle>
+            <a:lvl1pPr>
+              <a:defRPr/>
+            </a:lvl1pPr>
+          </a:lstStyle>
+          <a:p>
+            <a:pPr>
+              <a:defRPr/>
+            </a:pPr>
+            <a:endParaRPr lang="en-US" altLang="zh-CN"/>
+          </a:p>
+        </p:txBody>
+      </p:sp>
+      <p:sp>
+        <p:nvSpPr>
+          <p:cNvPr id="6" name="Rectangle 6"/>
+          <p:cNvSpPr>
+            <a:spLocks noGrp="1" noChangeArrowheads="1"/>
+          </p:cNvSpPr>
+          <p:nvPr>
+            <p:ph type="sldNum" sz="quarter" idx="12"/>
+          </p:nvPr>
+        </p:nvSpPr>
+        <p:spPr>
+          <a:xfrm>
+            <a:off x="6934200" y="6543446"/>
+            <a:ext cx="2133600" cy="244475"/>
+          </a:xfrm>
+          <a:prstGeom prst="rect">
+            <a:avLst/>
+          </a:prstGeom>
+          <a:ln/>
+        </p:spPr>
+        <p:txBody>
+          <a:bodyPr/>
+          <a:lstStyle>
+            <a:lvl1pPr>
+              <a:defRPr/>
+            </a:lvl1pPr>
+          </a:lstStyle>
+          <a:p>
+            <a:pPr>
+              <a:defRPr/>
+            </a:pPr>
+            <a:fld id="{F57F456A-00AF-44E6-8D70-638C0D0130FF}" type="slidenum">
+              <a:rPr lang="en-US" altLang="zh-CN"/>
+              <a:pPr>
+                <a:defRPr/>
+              </a:pPr>
+              <a:t>‹#›</a:t>
+            </a:fld>
+            <a:endParaRPr lang="en-US" altLang="zh-CN" dirty="0"/>
+          </a:p>
+        </p:txBody>
+      </p:sp>
+    </p:spTree>
+    <p:extLst>
+      <p:ext uri="{BB962C8B-B14F-4D97-AF65-F5344CB8AC3E}">
+        <p14:creationId xmlns:p14="http://schemas.microsoft.com/office/powerpoint/2010/main" val="2618204240"/>
+      </p:ext>
+    </p:extLst>
+  </p:cSld>
+  <p:clrMapOvr>
+    <a:masterClrMapping/>
+  </p:clrMapOvr>
+</p:sldLayout>
+</file>
+
 <file path=ppt/slideMasters/slideMaster1.xml><?xml version="1.0" encoding="utf-8"?>
 <p:sldMaster xmlns:a="http://schemas.openxmlformats.org/drawingml/2006/main" xmlns:r="http://schemas.openxmlformats.org/officeDocument/2006/relationships" xmlns:p="http://schemas.openxmlformats.org/presentationml/2006/main" preserve="1">
   <p:cSld>
@@ -2266,6 +2500,7 @@
     <p:sldLayoutId id="2147483871" r:id="rId1"/>
     <p:sldLayoutId id="2147483872" r:id="rId2"/>
     <p:sldLayoutId id="2147483876" r:id="rId3"/>
+    <p:sldLayoutId id="2147483877" r:id="rId4"/>
   </p:sldLayoutIdLst>
   <p:hf hdr="0" ftr="0" dt="0"/>
   <p:txStyles>
@@ -2960,15 +3195,10 @@
             <p:ph idx="1"/>
           </p:nvPr>
         </p:nvSpPr>
-        <p:spPr>
-          <a:xfrm>
-            <a:off x="459431" y="1209652"/>
-            <a:ext cx="8229600" cy="5472608"/>
-          </a:xfrm>
-        </p:spPr>
+        <p:spPr/>
         <p:txBody>
           <a:bodyPr>
-            <a:normAutofit fontScale="85000" lnSpcReduction="10000"/>
+            <a:normAutofit fontScale="85000" lnSpcReduction="20000"/>
           </a:bodyPr>
           <a:lstStyle/>
           <a:p>
@@ -3127,12 +3357,7 @@
             <p:ph idx="1"/>
           </p:nvPr>
         </p:nvSpPr>
-        <p:spPr>
-          <a:xfrm>
-            <a:off x="457200" y="1295399"/>
-            <a:ext cx="8229600" cy="5234636"/>
-          </a:xfrm>
-        </p:spPr>
+        <p:spPr/>
         <p:txBody>
           <a:bodyPr>
             <a:normAutofit fontScale="92500" lnSpcReduction="20000"/>
@@ -3309,12 +3534,7 @@
             <p:ph idx="1"/>
           </p:nvPr>
         </p:nvSpPr>
-        <p:spPr>
-          <a:xfrm>
-            <a:off x="457200" y="1340768"/>
-            <a:ext cx="8229600" cy="5112568"/>
-          </a:xfrm>
-        </p:spPr>
+        <p:spPr/>
         <p:txBody>
           <a:bodyPr>
             <a:normAutofit/>

--- a/InfoSec/PPTs/CH00-Introduction.pptx
+++ b/InfoSec/PPTs/CH00-Introduction.pptx
@@ -3647,19 +3647,31 @@
           <a:p>
             <a:r>
               <a:rPr lang="en-US" altLang="zh-CN" dirty="0"/>
-              <a:t>Exam covers only lecture PPTs, not Lab sections </a:t>
-            </a:r>
-          </a:p>
-          <a:p>
+              <a:t>Exam covers only lecture PPTs, not Lab Sections.</a:t>
+            </a:r>
+          </a:p>
+          <a:p>
+            <a:pPr lvl="1"/>
             <a:r>
               <a:rPr lang="en-US" altLang="zh-CN" dirty="0"/>
-              <a:t>Consists of mainly multiple-choice questions and short fill-in-blank questions</a:t>
-            </a:r>
+              <a:t>Not including the “Notes</a:t>
+            </a:r>
+            <a:r>
+              <a:rPr lang="en-US" altLang="zh-CN"/>
+              <a:t>” in PPT.</a:t>
+            </a:r>
+            <a:endParaRPr lang="en-US" altLang="zh-CN" dirty="0"/>
           </a:p>
           <a:p>
             <a:r>
               <a:rPr lang="en-US" altLang="zh-CN" dirty="0"/>
-              <a:t>Open book, you can bring any printed materials</a:t>
+              <a:t>Consists of mainly multiple-choice questions and short fill-in-blank questions.</a:t>
+            </a:r>
+          </a:p>
+          <a:p>
+            <a:r>
+              <a:rPr lang="en-US" altLang="zh-CN" dirty="0"/>
+              <a:t>Open book, you can bring any printed material.</a:t>
             </a:r>
           </a:p>
         </p:txBody>
